--- a/content/project/0-dmn/Figures.pptx
+++ b/content/project/0-dmn/Figures.pptx
@@ -5,10 +5,11 @@
     <p:sldMasterId id="2147483648" r:id="rId1"/>
   </p:sldMasterIdLst>
   <p:notesMasterIdLst>
-    <p:notesMasterId r:id="rId3"/>
+    <p:notesMasterId r:id="rId4"/>
   </p:notesMasterIdLst>
   <p:sldIdLst>
     <p:sldId id="278" r:id="rId2"/>
+    <p:sldId id="279" r:id="rId3"/>
   </p:sldIdLst>
   <p:sldSz cx="12192000" cy="6858000"/>
   <p:notesSz cx="6858000" cy="9144000"/>
@@ -197,7 +198,7 @@
           <a:p>
             <a:fld id="{C0A5CA27-DE70-0A42-BB54-67BA108E5F52}" type="datetimeFigureOut">
               <a:rPr lang="en-US" smtClean="0"/>
-              <a:t>9/19/19</a:t>
+              <a:t>9/20/19</a:t>
             </a:fld>
             <a:endParaRPr lang="en-US"/>
           </a:p>
@@ -611,7 +612,7 @@
           <a:p>
             <a:fld id="{75348996-B6C1-5D41-ABF0-E2EBBB374E9A}" type="datetimeFigureOut">
               <a:rPr lang="en-US" smtClean="0"/>
-              <a:t>9/19/19</a:t>
+              <a:t>9/20/19</a:t>
             </a:fld>
             <a:endParaRPr lang="en-US"/>
           </a:p>
@@ -809,7 +810,7 @@
           <a:p>
             <a:fld id="{75348996-B6C1-5D41-ABF0-E2EBBB374E9A}" type="datetimeFigureOut">
               <a:rPr lang="en-US" smtClean="0"/>
-              <a:t>9/19/19</a:t>
+              <a:t>9/20/19</a:t>
             </a:fld>
             <a:endParaRPr lang="en-US"/>
           </a:p>
@@ -1017,7 +1018,7 @@
           <a:p>
             <a:fld id="{75348996-B6C1-5D41-ABF0-E2EBBB374E9A}" type="datetimeFigureOut">
               <a:rPr lang="en-US" smtClean="0"/>
-              <a:t>9/19/19</a:t>
+              <a:t>9/20/19</a:t>
             </a:fld>
             <a:endParaRPr lang="en-US"/>
           </a:p>
@@ -1215,7 +1216,7 @@
           <a:p>
             <a:fld id="{75348996-B6C1-5D41-ABF0-E2EBBB374E9A}" type="datetimeFigureOut">
               <a:rPr lang="en-US" smtClean="0"/>
-              <a:t>9/19/19</a:t>
+              <a:t>9/20/19</a:t>
             </a:fld>
             <a:endParaRPr lang="en-US"/>
           </a:p>
@@ -1490,7 +1491,7 @@
           <a:p>
             <a:fld id="{75348996-B6C1-5D41-ABF0-E2EBBB374E9A}" type="datetimeFigureOut">
               <a:rPr lang="en-US" smtClean="0"/>
-              <a:t>9/19/19</a:t>
+              <a:t>9/20/19</a:t>
             </a:fld>
             <a:endParaRPr lang="en-US"/>
           </a:p>
@@ -1755,7 +1756,7 @@
           <a:p>
             <a:fld id="{75348996-B6C1-5D41-ABF0-E2EBBB374E9A}" type="datetimeFigureOut">
               <a:rPr lang="en-US" smtClean="0"/>
-              <a:t>9/19/19</a:t>
+              <a:t>9/20/19</a:t>
             </a:fld>
             <a:endParaRPr lang="en-US"/>
           </a:p>
@@ -2167,7 +2168,7 @@
           <a:p>
             <a:fld id="{75348996-B6C1-5D41-ABF0-E2EBBB374E9A}" type="datetimeFigureOut">
               <a:rPr lang="en-US" smtClean="0"/>
-              <a:t>9/19/19</a:t>
+              <a:t>9/20/19</a:t>
             </a:fld>
             <a:endParaRPr lang="en-US"/>
           </a:p>
@@ -2308,7 +2309,7 @@
           <a:p>
             <a:fld id="{75348996-B6C1-5D41-ABF0-E2EBBB374E9A}" type="datetimeFigureOut">
               <a:rPr lang="en-US" smtClean="0"/>
-              <a:t>9/19/19</a:t>
+              <a:t>9/20/19</a:t>
             </a:fld>
             <a:endParaRPr lang="en-US"/>
           </a:p>
@@ -2421,7 +2422,7 @@
           <a:p>
             <a:fld id="{75348996-B6C1-5D41-ABF0-E2EBBB374E9A}" type="datetimeFigureOut">
               <a:rPr lang="en-US" smtClean="0"/>
-              <a:t>9/19/19</a:t>
+              <a:t>9/20/19</a:t>
             </a:fld>
             <a:endParaRPr lang="en-US"/>
           </a:p>
@@ -2732,7 +2733,7 @@
           <a:p>
             <a:fld id="{75348996-B6C1-5D41-ABF0-E2EBBB374E9A}" type="datetimeFigureOut">
               <a:rPr lang="en-US" smtClean="0"/>
-              <a:t>9/19/19</a:t>
+              <a:t>9/20/19</a:t>
             </a:fld>
             <a:endParaRPr lang="en-US"/>
           </a:p>
@@ -3020,7 +3021,7 @@
           <a:p>
             <a:fld id="{75348996-B6C1-5D41-ABF0-E2EBBB374E9A}" type="datetimeFigureOut">
               <a:rPr lang="en-US" smtClean="0"/>
-              <a:t>9/19/19</a:t>
+              <a:t>9/20/19</a:t>
             </a:fld>
             <a:endParaRPr lang="en-US"/>
           </a:p>
@@ -3261,7 +3262,7 @@
           <a:p>
             <a:fld id="{75348996-B6C1-5D41-ABF0-E2EBBB374E9A}" type="datetimeFigureOut">
               <a:rPr lang="en-US" smtClean="0"/>
-              <a:t>9/19/19</a:t>
+              <a:t>9/20/19</a:t>
             </a:fld>
             <a:endParaRPr lang="en-US"/>
           </a:p>
@@ -6475,8 +6476,8 @@
             </a:fontRef>
           </p:style>
         </p:cxnSp>
-        <mc:AlternateContent xmlns:mc="http://schemas.openxmlformats.org/markup-compatibility/2006">
-          <mc:Choice xmlns:a14="http://schemas.microsoft.com/office/drawing/2010/main" Requires="a14">
+        <mc:AlternateContent xmlns:mc="http://schemas.openxmlformats.org/markup-compatibility/2006" xmlns:a14="http://schemas.microsoft.com/office/drawing/2010/main">
+          <mc:Choice Requires="a14">
             <p:sp>
               <p:nvSpPr>
                 <p:cNvPr id="95" name="TextBox 94">
@@ -6590,7 +6591,7 @@
               </p:txBody>
             </p:sp>
           </mc:Choice>
-          <mc:Fallback>
+          <mc:Fallback xmlns="">
             <p:sp>
               <p:nvSpPr>
                 <p:cNvPr id="95" name="TextBox 94">
@@ -6635,8 +6636,8 @@
             </p:sp>
           </mc:Fallback>
         </mc:AlternateContent>
-        <mc:AlternateContent xmlns:mc="http://schemas.openxmlformats.org/markup-compatibility/2006">
-          <mc:Choice xmlns:a14="http://schemas.microsoft.com/office/drawing/2010/main" Requires="a14">
+        <mc:AlternateContent xmlns:mc="http://schemas.openxmlformats.org/markup-compatibility/2006" xmlns:a14="http://schemas.microsoft.com/office/drawing/2010/main">
+          <mc:Choice Requires="a14">
             <p:sp>
               <p:nvSpPr>
                 <p:cNvPr id="96" name="TextBox 95">
@@ -6750,7 +6751,7 @@
               </p:txBody>
             </p:sp>
           </mc:Choice>
-          <mc:Fallback>
+          <mc:Fallback xmlns="">
             <p:sp>
               <p:nvSpPr>
                 <p:cNvPr id="96" name="TextBox 95">
@@ -6921,8 +6922,8 @@
             </a:p>
           </p:txBody>
         </p:sp>
-        <mc:AlternateContent xmlns:mc="http://schemas.openxmlformats.org/markup-compatibility/2006">
-          <mc:Choice xmlns:a14="http://schemas.microsoft.com/office/drawing/2010/main" Requires="a14">
+        <mc:AlternateContent xmlns:mc="http://schemas.openxmlformats.org/markup-compatibility/2006" xmlns:a14="http://schemas.microsoft.com/office/drawing/2010/main">
+          <mc:Choice Requires="a14">
             <p:sp>
               <p:nvSpPr>
                 <p:cNvPr id="100" name="Rectangle 99">
@@ -7006,7 +7007,7 @@
               </p:txBody>
             </p:sp>
           </mc:Choice>
-          <mc:Fallback>
+          <mc:Fallback xmlns="">
             <p:sp>
               <p:nvSpPr>
                 <p:cNvPr id="100" name="Rectangle 99">
@@ -7051,8 +7052,8 @@
             </p:sp>
           </mc:Fallback>
         </mc:AlternateContent>
-        <mc:AlternateContent xmlns:mc="http://schemas.openxmlformats.org/markup-compatibility/2006">
-          <mc:Choice xmlns:a14="http://schemas.microsoft.com/office/drawing/2010/main" Requires="a14">
+        <mc:AlternateContent xmlns:mc="http://schemas.openxmlformats.org/markup-compatibility/2006" xmlns:a14="http://schemas.microsoft.com/office/drawing/2010/main">
+          <mc:Choice Requires="a14">
             <p:sp>
               <p:nvSpPr>
                 <p:cNvPr id="101" name="Rectangle 100">
@@ -7101,7 +7102,7 @@
               </p:txBody>
             </p:sp>
           </mc:Choice>
-          <mc:Fallback>
+          <mc:Fallback xmlns="">
             <p:sp>
               <p:nvSpPr>
                 <p:cNvPr id="101" name="Rectangle 100">
@@ -7734,8 +7735,8 @@
             </p:txBody>
           </p:sp>
         </p:grpSp>
-        <mc:AlternateContent xmlns:mc="http://schemas.openxmlformats.org/markup-compatibility/2006">
-          <mc:Choice xmlns:a14="http://schemas.microsoft.com/office/drawing/2010/main" Requires="a14">
+        <mc:AlternateContent xmlns:mc="http://schemas.openxmlformats.org/markup-compatibility/2006" xmlns:a14="http://schemas.microsoft.com/office/drawing/2010/main">
+          <mc:Choice Requires="a14">
             <p:sp>
               <p:nvSpPr>
                 <p:cNvPr id="116" name="Rectangle 115">
@@ -7796,7 +7797,7 @@
               </p:txBody>
             </p:sp>
           </mc:Choice>
-          <mc:Fallback>
+          <mc:Fallback xmlns="">
             <p:sp>
               <p:nvSpPr>
                 <p:cNvPr id="116" name="Rectangle 115">
@@ -7841,8 +7842,8 @@
             </p:sp>
           </mc:Fallback>
         </mc:AlternateContent>
-        <mc:AlternateContent xmlns:mc="http://schemas.openxmlformats.org/markup-compatibility/2006">
-          <mc:Choice xmlns:a14="http://schemas.microsoft.com/office/drawing/2010/main" Requires="a14">
+        <mc:AlternateContent xmlns:mc="http://schemas.openxmlformats.org/markup-compatibility/2006" xmlns:a14="http://schemas.microsoft.com/office/drawing/2010/main">
+          <mc:Choice Requires="a14">
             <p:sp>
               <p:nvSpPr>
                 <p:cNvPr id="117" name="Rectangle 116">
@@ -7952,7 +7953,7 @@
               </p:txBody>
             </p:sp>
           </mc:Choice>
-          <mc:Fallback>
+          <mc:Fallback xmlns="">
             <p:sp>
               <p:nvSpPr>
                 <p:cNvPr id="117" name="Rectangle 116">
@@ -8002,6 +8003,1399 @@
     <p:extLst>
       <p:ext uri="{BB962C8B-B14F-4D97-AF65-F5344CB8AC3E}">
         <p14:creationId xmlns:p14="http://schemas.microsoft.com/office/powerpoint/2010/main" val="2268679469"/>
+      </p:ext>
+    </p:extLst>
+  </p:cSld>
+  <p:clrMapOvr>
+    <a:masterClrMapping/>
+  </p:clrMapOvr>
+</p:sld>
+</file>
+
+<file path=ppt/slides/slide2.xml><?xml version="1.0" encoding="utf-8"?>
+<p:sld xmlns:a="http://schemas.openxmlformats.org/drawingml/2006/main" xmlns:r="http://schemas.openxmlformats.org/officeDocument/2006/relationships" xmlns:p="http://schemas.openxmlformats.org/presentationml/2006/main">
+  <p:cSld>
+    <p:spTree>
+      <p:nvGrpSpPr>
+        <p:cNvPr id="1" name=""/>
+        <p:cNvGrpSpPr/>
+        <p:nvPr/>
+      </p:nvGrpSpPr>
+      <p:grpSpPr>
+        <a:xfrm>
+          <a:off x="0" y="0"/>
+          <a:ext cx="0" cy="0"/>
+          <a:chOff x="0" y="0"/>
+          <a:chExt cx="0" cy="0"/>
+        </a:xfrm>
+      </p:grpSpPr>
+      <p:sp>
+        <p:nvSpPr>
+          <p:cNvPr id="4" name="Rectangle 3">
+            <a:extLst>
+              <a:ext uri="{FF2B5EF4-FFF2-40B4-BE49-F238E27FC236}">
+                <a16:creationId xmlns:a16="http://schemas.microsoft.com/office/drawing/2014/main" id="{E8F91FDD-1972-A942-B2E4-4A9273B11925}"/>
+              </a:ext>
+            </a:extLst>
+          </p:cNvPr>
+          <p:cNvSpPr/>
+          <p:nvPr/>
+        </p:nvSpPr>
+        <p:spPr>
+          <a:xfrm>
+            <a:off x="2775455" y="2009908"/>
+            <a:ext cx="2258375" cy="369332"/>
+          </a:xfrm>
+          <a:prstGeom prst="rect">
+            <a:avLst/>
+          </a:prstGeom>
+        </p:spPr>
+        <p:txBody>
+          <a:bodyPr wrap="none">
+            <a:spAutoFit/>
+          </a:bodyPr>
+          <a:lstStyle/>
+          <a:p>
+            <a:pPr algn="ctr"/>
+            <a:r>
+              <a:rPr lang="en-US" dirty="0"/>
+              <a:t>1. Unknown material:</a:t>
+            </a:r>
+          </a:p>
+        </p:txBody>
+      </p:sp>
+      <p:sp>
+        <p:nvSpPr>
+          <p:cNvPr id="5" name="Rectangle 4">
+            <a:extLst>
+              <a:ext uri="{FF2B5EF4-FFF2-40B4-BE49-F238E27FC236}">
+                <a16:creationId xmlns:a16="http://schemas.microsoft.com/office/drawing/2014/main" id="{A4D426BD-0297-F044-8EC6-67383C852D28}"/>
+              </a:ext>
+            </a:extLst>
+          </p:cNvPr>
+          <p:cNvSpPr/>
+          <p:nvPr/>
+        </p:nvSpPr>
+        <p:spPr>
+          <a:xfrm>
+            <a:off x="6900310" y="2004942"/>
+            <a:ext cx="2655535" cy="369332"/>
+          </a:xfrm>
+          <a:prstGeom prst="rect">
+            <a:avLst/>
+          </a:prstGeom>
+        </p:spPr>
+        <p:txBody>
+          <a:bodyPr wrap="none">
+            <a:spAutoFit/>
+          </a:bodyPr>
+          <a:lstStyle/>
+          <a:p>
+            <a:pPr algn="ctr"/>
+            <a:r>
+              <a:rPr lang="en-US" dirty="0"/>
+              <a:t>2. Unknown loading path:</a:t>
+            </a:r>
+          </a:p>
+        </p:txBody>
+      </p:sp>
+      <p:grpSp>
+        <p:nvGrpSpPr>
+          <p:cNvPr id="6" name="Group 5">
+            <a:extLst>
+              <a:ext uri="{FF2B5EF4-FFF2-40B4-BE49-F238E27FC236}">
+                <a16:creationId xmlns:a16="http://schemas.microsoft.com/office/drawing/2014/main" id="{26F1B89B-F4C9-594A-814C-525EB37B35F9}"/>
+              </a:ext>
+            </a:extLst>
+          </p:cNvPr>
+          <p:cNvGrpSpPr/>
+          <p:nvPr/>
+        </p:nvGrpSpPr>
+        <p:grpSpPr>
+          <a:xfrm>
+            <a:off x="2163788" y="2459625"/>
+            <a:ext cx="3926014" cy="2611712"/>
+            <a:chOff x="599393" y="4067152"/>
+            <a:chExt cx="4536141" cy="2611712"/>
+          </a:xfrm>
+        </p:grpSpPr>
+        <p:cxnSp>
+          <p:nvCxnSpPr>
+            <p:cNvPr id="7" name="Straight Arrow Connector 6">
+              <a:extLst>
+                <a:ext uri="{FF2B5EF4-FFF2-40B4-BE49-F238E27FC236}">
+                  <a16:creationId xmlns:a16="http://schemas.microsoft.com/office/drawing/2014/main" id="{63672D5B-D470-6343-AB80-81CF2F0C8520}"/>
+                </a:ext>
+              </a:extLst>
+            </p:cNvPr>
+            <p:cNvCxnSpPr/>
+            <p:nvPr/>
+          </p:nvCxnSpPr>
+          <p:spPr>
+            <a:xfrm>
+              <a:off x="971807" y="6293102"/>
+              <a:ext cx="3022906" cy="0"/>
+            </a:xfrm>
+            <a:prstGeom prst="straightConnector1">
+              <a:avLst/>
+            </a:prstGeom>
+            <a:ln>
+              <a:solidFill>
+                <a:schemeClr val="tx1"/>
+              </a:solidFill>
+              <a:tailEnd type="triangle"/>
+            </a:ln>
+            <a:effectLst/>
+          </p:spPr>
+          <p:style>
+            <a:lnRef idx="2">
+              <a:schemeClr val="accent1"/>
+            </a:lnRef>
+            <a:fillRef idx="0">
+              <a:schemeClr val="accent1"/>
+            </a:fillRef>
+            <a:effectRef idx="1">
+              <a:schemeClr val="accent1"/>
+            </a:effectRef>
+            <a:fontRef idx="minor">
+              <a:schemeClr val="tx1"/>
+            </a:fontRef>
+          </p:style>
+        </p:cxnSp>
+        <p:cxnSp>
+          <p:nvCxnSpPr>
+            <p:cNvPr id="8" name="Straight Arrow Connector 7">
+              <a:extLst>
+                <a:ext uri="{FF2B5EF4-FFF2-40B4-BE49-F238E27FC236}">
+                  <a16:creationId xmlns:a16="http://schemas.microsoft.com/office/drawing/2014/main" id="{142E0FDE-A6FA-3C44-B3DA-CF12D5CED824}"/>
+                </a:ext>
+              </a:extLst>
+            </p:cNvPr>
+            <p:cNvCxnSpPr>
+              <a:cxnSpLocks/>
+            </p:cNvCxnSpPr>
+            <p:nvPr/>
+          </p:nvCxnSpPr>
+          <p:spPr>
+            <a:xfrm flipV="1">
+              <a:off x="971807" y="4185333"/>
+              <a:ext cx="0" cy="2107769"/>
+            </a:xfrm>
+            <a:prstGeom prst="straightConnector1">
+              <a:avLst/>
+            </a:prstGeom>
+            <a:ln>
+              <a:solidFill>
+                <a:schemeClr val="tx1"/>
+              </a:solidFill>
+              <a:tailEnd type="triangle"/>
+            </a:ln>
+            <a:effectLst/>
+          </p:spPr>
+          <p:style>
+            <a:lnRef idx="2">
+              <a:schemeClr val="accent1"/>
+            </a:lnRef>
+            <a:fillRef idx="0">
+              <a:schemeClr val="accent1"/>
+            </a:fillRef>
+            <a:effectRef idx="1">
+              <a:schemeClr val="accent1"/>
+            </a:effectRef>
+            <a:fontRef idx="minor">
+              <a:schemeClr val="tx1"/>
+            </a:fontRef>
+          </p:style>
+        </p:cxnSp>
+        <mc:AlternateContent xmlns:mc="http://schemas.openxmlformats.org/markup-compatibility/2006">
+          <mc:Choice xmlns:a14="http://schemas.microsoft.com/office/drawing/2010/main" Requires="a14">
+            <p:sp>
+              <p:nvSpPr>
+                <p:cNvPr id="9" name="Rectangle 8">
+                  <a:extLst>
+                    <a:ext uri="{FF2B5EF4-FFF2-40B4-BE49-F238E27FC236}">
+                      <a16:creationId xmlns:a16="http://schemas.microsoft.com/office/drawing/2014/main" id="{4FADCA6F-68EC-454B-B22F-66558AB74712}"/>
+                    </a:ext>
+                  </a:extLst>
+                </p:cNvPr>
+                <p:cNvSpPr/>
+                <p:nvPr/>
+              </p:nvSpPr>
+              <p:spPr>
+                <a:xfrm>
+                  <a:off x="3731346" y="6278754"/>
+                  <a:ext cx="431914" cy="400110"/>
+                </a:xfrm>
+                <a:prstGeom prst="rect">
+                  <a:avLst/>
+                </a:prstGeom>
+              </p:spPr>
+              <p:txBody>
+                <a:bodyPr wrap="none">
+                  <a:spAutoFit/>
+                </a:bodyPr>
+                <a:lstStyle/>
+                <a:p>
+                  <a14:m>
+                    <m:oMath xmlns:m="http://schemas.openxmlformats.org/officeDocument/2006/math">
+                      <m:r>
+                        <a:rPr lang="en-US" sz="2000" b="0" i="1" smtClean="0">
+                          <a:latin typeface="Cambria Math" panose="02040503050406030204" pitchFamily="18" charset="0"/>
+                        </a:rPr>
+                        <m:t>𝜀</m:t>
+                      </m:r>
+                    </m:oMath>
+                  </a14:m>
+                  <a:r>
+                    <a:rPr lang="en-US" sz="2000" dirty="0"/>
+                    <a:t> </a:t>
+                  </a:r>
+                </a:p>
+              </p:txBody>
+            </p:sp>
+          </mc:Choice>
+          <mc:Fallback>
+            <p:sp>
+              <p:nvSpPr>
+                <p:cNvPr id="9" name="Rectangle 8">
+                  <a:extLst>
+                    <a:ext uri="{FF2B5EF4-FFF2-40B4-BE49-F238E27FC236}">
+                      <a16:creationId xmlns:a16="http://schemas.microsoft.com/office/drawing/2014/main" id="{4FADCA6F-68EC-454B-B22F-66558AB74712}"/>
+                    </a:ext>
+                  </a:extLst>
+                </p:cNvPr>
+                <p:cNvSpPr>
+                  <a:spLocks noRot="1" noChangeAspect="1" noMove="1" noResize="1" noEditPoints="1" noAdjustHandles="1" noChangeArrowheads="1" noChangeShapeType="1" noTextEdit="1"/>
+                </p:cNvSpPr>
+                <p:nvPr/>
+              </p:nvSpPr>
+              <p:spPr>
+                <a:xfrm>
+                  <a:off x="3731346" y="6278754"/>
+                  <a:ext cx="431914" cy="400110"/>
+                </a:xfrm>
+                <a:prstGeom prst="rect">
+                  <a:avLst/>
+                </a:prstGeom>
+                <a:blipFill>
+                  <a:blip r:embed="rId2"/>
+                  <a:stretch>
+                    <a:fillRect/>
+                  </a:stretch>
+                </a:blipFill>
+              </p:spPr>
+              <p:txBody>
+                <a:bodyPr/>
+                <a:lstStyle/>
+                <a:p>
+                  <a:r>
+                    <a:rPr lang="en-US">
+                      <a:noFill/>
+                    </a:rPr>
+                    <a:t> </a:t>
+                  </a:r>
+                </a:p>
+              </p:txBody>
+            </p:sp>
+          </mc:Fallback>
+        </mc:AlternateContent>
+        <p:sp>
+          <p:nvSpPr>
+            <p:cNvPr id="10" name="Freeform 9">
+              <a:extLst>
+                <a:ext uri="{FF2B5EF4-FFF2-40B4-BE49-F238E27FC236}">
+                  <a16:creationId xmlns:a16="http://schemas.microsoft.com/office/drawing/2014/main" id="{FC1BA646-6E27-F440-B740-A54DB0F3093B}"/>
+                </a:ext>
+              </a:extLst>
+            </p:cNvPr>
+            <p:cNvSpPr/>
+            <p:nvPr/>
+          </p:nvSpPr>
+          <p:spPr>
+            <a:xfrm>
+              <a:off x="987305" y="5027903"/>
+              <a:ext cx="2371241" cy="1250851"/>
+            </a:xfrm>
+            <a:custGeom>
+              <a:avLst/>
+              <a:gdLst>
+                <a:gd name="connsiteX0" fmla="*/ 0 w 2371241"/>
+                <a:gd name="connsiteY0" fmla="*/ 1890793 h 1890793"/>
+                <a:gd name="connsiteX1" fmla="*/ 774916 w 2371241"/>
+                <a:gd name="connsiteY1" fmla="*/ 666427 h 1890793"/>
+                <a:gd name="connsiteX2" fmla="*/ 2371241 w 2371241"/>
+                <a:gd name="connsiteY2" fmla="*/ 0 h 1890793"/>
+                <a:gd name="connsiteX3" fmla="*/ 2371241 w 2371241"/>
+                <a:gd name="connsiteY3" fmla="*/ 0 h 1890793"/>
+              </a:gdLst>
+              <a:ahLst/>
+              <a:cxnLst>
+                <a:cxn ang="0">
+                  <a:pos x="connsiteX0" y="connsiteY0"/>
+                </a:cxn>
+                <a:cxn ang="0">
+                  <a:pos x="connsiteX1" y="connsiteY1"/>
+                </a:cxn>
+                <a:cxn ang="0">
+                  <a:pos x="connsiteX2" y="connsiteY2"/>
+                </a:cxn>
+                <a:cxn ang="0">
+                  <a:pos x="connsiteX3" y="connsiteY3"/>
+                </a:cxn>
+              </a:cxnLst>
+              <a:rect l="l" t="t" r="r" b="b"/>
+              <a:pathLst>
+                <a:path w="2371241" h="1890793">
+                  <a:moveTo>
+                    <a:pt x="0" y="1890793"/>
+                  </a:moveTo>
+                  <a:cubicBezTo>
+                    <a:pt x="189854" y="1436176"/>
+                    <a:pt x="379709" y="981559"/>
+                    <a:pt x="774916" y="666427"/>
+                  </a:cubicBezTo>
+                  <a:cubicBezTo>
+                    <a:pt x="1170123" y="351295"/>
+                    <a:pt x="2371241" y="0"/>
+                    <a:pt x="2371241" y="0"/>
+                  </a:cubicBezTo>
+                  <a:lnTo>
+                    <a:pt x="2371241" y="0"/>
+                  </a:lnTo>
+                </a:path>
+              </a:pathLst>
+            </a:custGeom>
+            <a:noFill/>
+            <a:ln w="28575">
+              <a:solidFill>
+                <a:srgbClr val="C00000"/>
+              </a:solidFill>
+              <a:prstDash val="dash"/>
+            </a:ln>
+            <a:effectLst/>
+          </p:spPr>
+          <p:style>
+            <a:lnRef idx="1">
+              <a:schemeClr val="accent1"/>
+            </a:lnRef>
+            <a:fillRef idx="3">
+              <a:schemeClr val="accent1"/>
+            </a:fillRef>
+            <a:effectRef idx="2">
+              <a:schemeClr val="accent1"/>
+            </a:effectRef>
+            <a:fontRef idx="minor">
+              <a:schemeClr val="lt1"/>
+            </a:fontRef>
+          </p:style>
+          <p:txBody>
+            <a:bodyPr rtlCol="0" anchor="ctr"/>
+            <a:lstStyle/>
+            <a:p>
+              <a:pPr algn="ctr"/>
+              <a:endParaRPr lang="en-US"/>
+            </a:p>
+          </p:txBody>
+        </p:sp>
+        <mc:AlternateContent xmlns:mc="http://schemas.openxmlformats.org/markup-compatibility/2006">
+          <mc:Choice xmlns:a14="http://schemas.microsoft.com/office/drawing/2010/main" Requires="a14">
+            <p:sp>
+              <p:nvSpPr>
+                <p:cNvPr id="11" name="Rectangle 10">
+                  <a:extLst>
+                    <a:ext uri="{FF2B5EF4-FFF2-40B4-BE49-F238E27FC236}">
+                      <a16:creationId xmlns:a16="http://schemas.microsoft.com/office/drawing/2014/main" id="{E5024AAB-E2D7-4143-8E24-C76E9457B526}"/>
+                    </a:ext>
+                  </a:extLst>
+                </p:cNvPr>
+                <p:cNvSpPr/>
+                <p:nvPr/>
+              </p:nvSpPr>
+              <p:spPr>
+                <a:xfrm>
+                  <a:off x="599393" y="4067152"/>
+                  <a:ext cx="467105" cy="400110"/>
+                </a:xfrm>
+                <a:prstGeom prst="rect">
+                  <a:avLst/>
+                </a:prstGeom>
+              </p:spPr>
+              <p:txBody>
+                <a:bodyPr wrap="none">
+                  <a:spAutoFit/>
+                </a:bodyPr>
+                <a:lstStyle/>
+                <a:p>
+                  <a14:m>
+                    <m:oMath xmlns:m="http://schemas.openxmlformats.org/officeDocument/2006/math">
+                      <m:r>
+                        <a:rPr lang="en-US" sz="2000" b="0" i="1" smtClean="0">
+                          <a:latin typeface="Cambria Math" panose="02040503050406030204" pitchFamily="18" charset="0"/>
+                        </a:rPr>
+                        <m:t>𝜎</m:t>
+                      </m:r>
+                    </m:oMath>
+                  </a14:m>
+                  <a:r>
+                    <a:rPr lang="en-US" sz="2000" dirty="0"/>
+                    <a:t> </a:t>
+                  </a:r>
+                </a:p>
+              </p:txBody>
+            </p:sp>
+          </mc:Choice>
+          <mc:Fallback>
+            <p:sp>
+              <p:nvSpPr>
+                <p:cNvPr id="11" name="Rectangle 10">
+                  <a:extLst>
+                    <a:ext uri="{FF2B5EF4-FFF2-40B4-BE49-F238E27FC236}">
+                      <a16:creationId xmlns:a16="http://schemas.microsoft.com/office/drawing/2014/main" id="{E5024AAB-E2D7-4143-8E24-C76E9457B526}"/>
+                    </a:ext>
+                  </a:extLst>
+                </p:cNvPr>
+                <p:cNvSpPr>
+                  <a:spLocks noRot="1" noChangeAspect="1" noMove="1" noResize="1" noEditPoints="1" noAdjustHandles="1" noChangeArrowheads="1" noChangeShapeType="1" noTextEdit="1"/>
+                </p:cNvSpPr>
+                <p:nvPr/>
+              </p:nvSpPr>
+              <p:spPr>
+                <a:xfrm>
+                  <a:off x="599393" y="4067152"/>
+                  <a:ext cx="467105" cy="400110"/>
+                </a:xfrm>
+                <a:prstGeom prst="rect">
+                  <a:avLst/>
+                </a:prstGeom>
+                <a:blipFill>
+                  <a:blip r:embed="rId3"/>
+                  <a:stretch>
+                    <a:fillRect/>
+                  </a:stretch>
+                </a:blipFill>
+              </p:spPr>
+              <p:txBody>
+                <a:bodyPr/>
+                <a:lstStyle/>
+                <a:p>
+                  <a:r>
+                    <a:rPr lang="en-US">
+                      <a:noFill/>
+                    </a:rPr>
+                    <a:t> </a:t>
+                  </a:r>
+                </a:p>
+              </p:txBody>
+            </p:sp>
+          </mc:Fallback>
+        </mc:AlternateContent>
+        <p:cxnSp>
+          <p:nvCxnSpPr>
+            <p:cNvPr id="12" name="Straight Connector 11">
+              <a:extLst>
+                <a:ext uri="{FF2B5EF4-FFF2-40B4-BE49-F238E27FC236}">
+                  <a16:creationId xmlns:a16="http://schemas.microsoft.com/office/drawing/2014/main" id="{CDE9A113-24F5-7E4E-91EF-627BB0A3420A}"/>
+                </a:ext>
+              </a:extLst>
+            </p:cNvPr>
+            <p:cNvCxnSpPr>
+              <a:cxnSpLocks/>
+              <a:endCxn id="10" idx="0"/>
+            </p:cNvCxnSpPr>
+            <p:nvPr/>
+          </p:nvCxnSpPr>
+          <p:spPr>
+            <a:xfrm flipH="1">
+              <a:off x="987305" y="5493629"/>
+              <a:ext cx="2371242" cy="785125"/>
+            </a:xfrm>
+            <a:prstGeom prst="line">
+              <a:avLst/>
+            </a:prstGeom>
+            <a:ln w="28575"/>
+          </p:spPr>
+          <p:style>
+            <a:lnRef idx="1">
+              <a:schemeClr val="dk1"/>
+            </a:lnRef>
+            <a:fillRef idx="0">
+              <a:schemeClr val="dk1"/>
+            </a:fillRef>
+            <a:effectRef idx="0">
+              <a:schemeClr val="dk1"/>
+            </a:effectRef>
+            <a:fontRef idx="minor">
+              <a:schemeClr val="tx1"/>
+            </a:fontRef>
+          </p:style>
+        </p:cxnSp>
+        <p:sp>
+          <p:nvSpPr>
+            <p:cNvPr id="13" name="Freeform 12">
+              <a:extLst>
+                <a:ext uri="{FF2B5EF4-FFF2-40B4-BE49-F238E27FC236}">
+                  <a16:creationId xmlns:a16="http://schemas.microsoft.com/office/drawing/2014/main" id="{FCAF7F73-241C-AA4C-87F0-5601B9B8DED9}"/>
+                </a:ext>
+              </a:extLst>
+            </p:cNvPr>
+            <p:cNvSpPr/>
+            <p:nvPr/>
+          </p:nvSpPr>
+          <p:spPr>
+            <a:xfrm>
+              <a:off x="977253" y="4296782"/>
+              <a:ext cx="2371241" cy="1967624"/>
+            </a:xfrm>
+            <a:custGeom>
+              <a:avLst/>
+              <a:gdLst>
+                <a:gd name="connsiteX0" fmla="*/ 0 w 2371241"/>
+                <a:gd name="connsiteY0" fmla="*/ 1890793 h 1890793"/>
+                <a:gd name="connsiteX1" fmla="*/ 774916 w 2371241"/>
+                <a:gd name="connsiteY1" fmla="*/ 666427 h 1890793"/>
+                <a:gd name="connsiteX2" fmla="*/ 2371241 w 2371241"/>
+                <a:gd name="connsiteY2" fmla="*/ 0 h 1890793"/>
+                <a:gd name="connsiteX3" fmla="*/ 2371241 w 2371241"/>
+                <a:gd name="connsiteY3" fmla="*/ 0 h 1890793"/>
+              </a:gdLst>
+              <a:ahLst/>
+              <a:cxnLst>
+                <a:cxn ang="0">
+                  <a:pos x="connsiteX0" y="connsiteY0"/>
+                </a:cxn>
+                <a:cxn ang="0">
+                  <a:pos x="connsiteX1" y="connsiteY1"/>
+                </a:cxn>
+                <a:cxn ang="0">
+                  <a:pos x="connsiteX2" y="connsiteY2"/>
+                </a:cxn>
+                <a:cxn ang="0">
+                  <a:pos x="connsiteX3" y="connsiteY3"/>
+                </a:cxn>
+              </a:cxnLst>
+              <a:rect l="l" t="t" r="r" b="b"/>
+              <a:pathLst>
+                <a:path w="2371241" h="1890793">
+                  <a:moveTo>
+                    <a:pt x="0" y="1890793"/>
+                  </a:moveTo>
+                  <a:cubicBezTo>
+                    <a:pt x="189854" y="1436176"/>
+                    <a:pt x="379709" y="981559"/>
+                    <a:pt x="774916" y="666427"/>
+                  </a:cubicBezTo>
+                  <a:cubicBezTo>
+                    <a:pt x="1170123" y="351295"/>
+                    <a:pt x="2371241" y="0"/>
+                    <a:pt x="2371241" y="0"/>
+                  </a:cubicBezTo>
+                  <a:lnTo>
+                    <a:pt x="2371241" y="0"/>
+                  </a:lnTo>
+                </a:path>
+              </a:pathLst>
+            </a:custGeom>
+            <a:noFill/>
+            <a:ln w="28575">
+              <a:solidFill>
+                <a:srgbClr val="C00000"/>
+              </a:solidFill>
+              <a:prstDash val="dash"/>
+            </a:ln>
+            <a:effectLst/>
+          </p:spPr>
+          <p:style>
+            <a:lnRef idx="1">
+              <a:schemeClr val="accent1"/>
+            </a:lnRef>
+            <a:fillRef idx="3">
+              <a:schemeClr val="accent1"/>
+            </a:fillRef>
+            <a:effectRef idx="2">
+              <a:schemeClr val="accent1"/>
+            </a:effectRef>
+            <a:fontRef idx="minor">
+              <a:schemeClr val="lt1"/>
+            </a:fontRef>
+          </p:style>
+          <p:txBody>
+            <a:bodyPr rtlCol="0" anchor="ctr"/>
+            <a:lstStyle/>
+            <a:p>
+              <a:pPr algn="ctr"/>
+              <a:endParaRPr lang="en-US"/>
+            </a:p>
+          </p:txBody>
+        </p:sp>
+        <p:sp>
+          <p:nvSpPr>
+            <p:cNvPr id="14" name="TextBox 13">
+              <a:extLst>
+                <a:ext uri="{FF2B5EF4-FFF2-40B4-BE49-F238E27FC236}">
+                  <a16:creationId xmlns:a16="http://schemas.microsoft.com/office/drawing/2014/main" id="{17BD604B-3365-434D-9B72-27059DE51A32}"/>
+                </a:ext>
+              </a:extLst>
+            </p:cNvPr>
+            <p:cNvSpPr txBox="1"/>
+            <p:nvPr/>
+          </p:nvSpPr>
+          <p:spPr>
+            <a:xfrm>
+              <a:off x="3402056" y="5383503"/>
+              <a:ext cx="1193877" cy="369332"/>
+            </a:xfrm>
+            <a:prstGeom prst="rect">
+              <a:avLst/>
+            </a:prstGeom>
+            <a:noFill/>
+          </p:spPr>
+          <p:txBody>
+            <a:bodyPr wrap="none" rtlCol="0">
+              <a:spAutoFit/>
+            </a:bodyPr>
+            <a:lstStyle/>
+            <a:p>
+              <a:r>
+                <a:rPr lang="en-US" dirty="0"/>
+                <a:t>Elasticity</a:t>
+              </a:r>
+            </a:p>
+          </p:txBody>
+        </p:sp>
+        <p:sp>
+          <p:nvSpPr>
+            <p:cNvPr id="15" name="TextBox 14">
+              <a:extLst>
+                <a:ext uri="{FF2B5EF4-FFF2-40B4-BE49-F238E27FC236}">
+                  <a16:creationId xmlns:a16="http://schemas.microsoft.com/office/drawing/2014/main" id="{37C1E5C1-1610-0F43-A5E9-5556C2C8E0E9}"/>
+                </a:ext>
+              </a:extLst>
+            </p:cNvPr>
+            <p:cNvSpPr txBox="1"/>
+            <p:nvPr/>
+          </p:nvSpPr>
+          <p:spPr>
+            <a:xfrm>
+              <a:off x="3402056" y="4843237"/>
+              <a:ext cx="1206841" cy="369332"/>
+            </a:xfrm>
+            <a:prstGeom prst="rect">
+              <a:avLst/>
+            </a:prstGeom>
+            <a:noFill/>
+          </p:spPr>
+          <p:txBody>
+            <a:bodyPr wrap="none" rtlCol="0">
+              <a:spAutoFit/>
+            </a:bodyPr>
+            <a:lstStyle/>
+            <a:p>
+              <a:r>
+                <a:rPr lang="en-US" dirty="0">
+                  <a:solidFill>
+                    <a:srgbClr val="C00000"/>
+                  </a:solidFill>
+                </a:rPr>
+                <a:t>Plasticity</a:t>
+              </a:r>
+            </a:p>
+          </p:txBody>
+        </p:sp>
+        <p:sp>
+          <p:nvSpPr>
+            <p:cNvPr id="16" name="TextBox 15">
+              <a:extLst>
+                <a:ext uri="{FF2B5EF4-FFF2-40B4-BE49-F238E27FC236}">
+                  <a16:creationId xmlns:a16="http://schemas.microsoft.com/office/drawing/2014/main" id="{97295743-FE20-6246-837D-DE66AD12BF35}"/>
+                </a:ext>
+              </a:extLst>
+            </p:cNvPr>
+            <p:cNvSpPr txBox="1"/>
+            <p:nvPr/>
+          </p:nvSpPr>
+          <p:spPr>
+            <a:xfrm>
+              <a:off x="2988705" y="4383669"/>
+              <a:ext cx="2146829" cy="369332"/>
+            </a:xfrm>
+            <a:prstGeom prst="rect">
+              <a:avLst/>
+            </a:prstGeom>
+            <a:noFill/>
+          </p:spPr>
+          <p:txBody>
+            <a:bodyPr wrap="none" rtlCol="0">
+              <a:spAutoFit/>
+            </a:bodyPr>
+            <a:lstStyle/>
+            <a:p>
+              <a:r>
+                <a:rPr lang="en-US" dirty="0">
+                  <a:solidFill>
+                    <a:srgbClr val="C00000"/>
+                  </a:solidFill>
+                </a:rPr>
+                <a:t>Rate-dependency</a:t>
+              </a:r>
+            </a:p>
+          </p:txBody>
+        </p:sp>
+      </p:grpSp>
+      <p:cxnSp>
+        <p:nvCxnSpPr>
+          <p:cNvPr id="17" name="Straight Arrow Connector 16">
+            <a:extLst>
+              <a:ext uri="{FF2B5EF4-FFF2-40B4-BE49-F238E27FC236}">
+                <a16:creationId xmlns:a16="http://schemas.microsoft.com/office/drawing/2014/main" id="{C9615894-640C-004A-85BF-AC4896BF32CE}"/>
+              </a:ext>
+            </a:extLst>
+          </p:cNvPr>
+          <p:cNvCxnSpPr>
+            <a:cxnSpLocks/>
+          </p:cNvCxnSpPr>
+          <p:nvPr/>
+        </p:nvCxnSpPr>
+        <p:spPr>
+          <a:xfrm>
+            <a:off x="6722133" y="3886102"/>
+            <a:ext cx="3134368" cy="0"/>
+          </a:xfrm>
+          <a:prstGeom prst="straightConnector1">
+            <a:avLst/>
+          </a:prstGeom>
+          <a:ln>
+            <a:solidFill>
+              <a:schemeClr val="tx1"/>
+            </a:solidFill>
+            <a:tailEnd type="triangle"/>
+          </a:ln>
+          <a:effectLst/>
+        </p:spPr>
+        <p:style>
+          <a:lnRef idx="2">
+            <a:schemeClr val="accent1"/>
+          </a:lnRef>
+          <a:fillRef idx="0">
+            <a:schemeClr val="accent1"/>
+          </a:fillRef>
+          <a:effectRef idx="1">
+            <a:schemeClr val="accent1"/>
+          </a:effectRef>
+          <a:fontRef idx="minor">
+            <a:schemeClr val="tx1"/>
+          </a:fontRef>
+        </p:style>
+      </p:cxnSp>
+      <p:cxnSp>
+        <p:nvCxnSpPr>
+          <p:cNvPr id="18" name="Straight Arrow Connector 17">
+            <a:extLst>
+              <a:ext uri="{FF2B5EF4-FFF2-40B4-BE49-F238E27FC236}">
+                <a16:creationId xmlns:a16="http://schemas.microsoft.com/office/drawing/2014/main" id="{A2C33874-D364-3D40-A779-0861C6D2F3E0}"/>
+              </a:ext>
+            </a:extLst>
+          </p:cNvPr>
+          <p:cNvCxnSpPr>
+            <a:cxnSpLocks/>
+          </p:cNvCxnSpPr>
+          <p:nvPr/>
+        </p:nvCxnSpPr>
+        <p:spPr>
+          <a:xfrm flipV="1">
+            <a:off x="8256645" y="2644292"/>
+            <a:ext cx="0" cy="2396267"/>
+          </a:xfrm>
+          <a:prstGeom prst="straightConnector1">
+            <a:avLst/>
+          </a:prstGeom>
+          <a:ln>
+            <a:solidFill>
+              <a:schemeClr val="tx1"/>
+            </a:solidFill>
+            <a:tailEnd type="triangle"/>
+          </a:ln>
+          <a:effectLst/>
+        </p:spPr>
+        <p:style>
+          <a:lnRef idx="2">
+            <a:schemeClr val="accent1"/>
+          </a:lnRef>
+          <a:fillRef idx="0">
+            <a:schemeClr val="accent1"/>
+          </a:fillRef>
+          <a:effectRef idx="1">
+            <a:schemeClr val="accent1"/>
+          </a:effectRef>
+          <a:fontRef idx="minor">
+            <a:schemeClr val="tx1"/>
+          </a:fontRef>
+        </p:style>
+      </p:cxnSp>
+      <mc:AlternateContent xmlns:mc="http://schemas.openxmlformats.org/markup-compatibility/2006">
+        <mc:Choice xmlns:a14="http://schemas.microsoft.com/office/drawing/2010/main" Requires="a14">
+          <p:sp>
+            <p:nvSpPr>
+              <p:cNvPr id="19" name="Rectangle 18">
+                <a:extLst>
+                  <a:ext uri="{FF2B5EF4-FFF2-40B4-BE49-F238E27FC236}">
+                    <a16:creationId xmlns:a16="http://schemas.microsoft.com/office/drawing/2014/main" id="{D8EF5868-761C-EB46-994B-2017090B41D7}"/>
+                  </a:ext>
+                </a:extLst>
+              </p:cNvPr>
+              <p:cNvSpPr/>
+              <p:nvPr/>
+            </p:nvSpPr>
+            <p:spPr>
+              <a:xfrm>
+                <a:off x="9630213" y="3909332"/>
+                <a:ext cx="577594" cy="400110"/>
+              </a:xfrm>
+              <a:prstGeom prst="rect">
+                <a:avLst/>
+              </a:prstGeom>
+            </p:spPr>
+            <p:txBody>
+              <a:bodyPr wrap="none">
+                <a:spAutoFit/>
+              </a:bodyPr>
+              <a:lstStyle/>
+              <a:p>
+                <a14:m>
+                  <m:oMath xmlns:m="http://schemas.openxmlformats.org/officeDocument/2006/math">
+                    <m:sSub>
+                      <m:sSubPr>
+                        <m:ctrlPr>
+                          <a:rPr lang="en-US" sz="2000" i="1" smtClean="0">
+                            <a:latin typeface="Cambria Math" panose="02040503050406030204" pitchFamily="18" charset="0"/>
+                          </a:rPr>
+                        </m:ctrlPr>
+                      </m:sSubPr>
+                      <m:e>
+                        <m:r>
+                          <a:rPr lang="en-US" sz="2000" b="0" i="1" smtClean="0">
+                            <a:latin typeface="Cambria Math" panose="02040503050406030204" pitchFamily="18" charset="0"/>
+                          </a:rPr>
+                          <m:t>𝜀</m:t>
+                        </m:r>
+                      </m:e>
+                      <m:sub>
+                        <m:r>
+                          <a:rPr lang="en-US" sz="2000" b="0" i="1" smtClean="0">
+                            <a:latin typeface="Cambria Math" panose="02040503050406030204" pitchFamily="18" charset="0"/>
+                          </a:rPr>
+                          <m:t>11</m:t>
+                        </m:r>
+                      </m:sub>
+                    </m:sSub>
+                  </m:oMath>
+                </a14:m>
+                <a:r>
+                  <a:rPr lang="en-US" sz="2000" dirty="0"/>
+                  <a:t> </a:t>
+                </a:r>
+              </a:p>
+            </p:txBody>
+          </p:sp>
+        </mc:Choice>
+        <mc:Fallback>
+          <p:sp>
+            <p:nvSpPr>
+              <p:cNvPr id="19" name="Rectangle 18">
+                <a:extLst>
+                  <a:ext uri="{FF2B5EF4-FFF2-40B4-BE49-F238E27FC236}">
+                    <a16:creationId xmlns:a16="http://schemas.microsoft.com/office/drawing/2014/main" id="{D8EF5868-761C-EB46-994B-2017090B41D7}"/>
+                  </a:ext>
+                </a:extLst>
+              </p:cNvPr>
+              <p:cNvSpPr>
+                <a:spLocks noRot="1" noChangeAspect="1" noMove="1" noResize="1" noEditPoints="1" noAdjustHandles="1" noChangeArrowheads="1" noChangeShapeType="1" noTextEdit="1"/>
+              </p:cNvSpPr>
+              <p:nvPr/>
+            </p:nvSpPr>
+            <p:spPr>
+              <a:xfrm>
+                <a:off x="9630213" y="3909332"/>
+                <a:ext cx="577594" cy="400110"/>
+              </a:xfrm>
+              <a:prstGeom prst="rect">
+                <a:avLst/>
+              </a:prstGeom>
+              <a:blipFill>
+                <a:blip r:embed="rId4"/>
+                <a:stretch>
+                  <a:fillRect/>
+                </a:stretch>
+              </a:blipFill>
+            </p:spPr>
+            <p:txBody>
+              <a:bodyPr/>
+              <a:lstStyle/>
+              <a:p>
+                <a:r>
+                  <a:rPr lang="en-US">
+                    <a:noFill/>
+                  </a:rPr>
+                  <a:t> </a:t>
+                </a:r>
+              </a:p>
+            </p:txBody>
+          </p:sp>
+        </mc:Fallback>
+      </mc:AlternateContent>
+      <mc:AlternateContent xmlns:mc="http://schemas.openxmlformats.org/markup-compatibility/2006">
+        <mc:Choice xmlns:a14="http://schemas.microsoft.com/office/drawing/2010/main" Requires="a14">
+          <p:sp>
+            <p:nvSpPr>
+              <p:cNvPr id="20" name="Rectangle 19">
+                <a:extLst>
+                  <a:ext uri="{FF2B5EF4-FFF2-40B4-BE49-F238E27FC236}">
+                    <a16:creationId xmlns:a16="http://schemas.microsoft.com/office/drawing/2014/main" id="{F73D69BB-7D00-6841-9835-065208C592FA}"/>
+                  </a:ext>
+                </a:extLst>
+              </p:cNvPr>
+              <p:cNvSpPr/>
+              <p:nvPr/>
+            </p:nvSpPr>
+            <p:spPr>
+              <a:xfrm>
+                <a:off x="7711723" y="2377751"/>
+                <a:ext cx="583558" cy="400110"/>
+              </a:xfrm>
+              <a:prstGeom prst="rect">
+                <a:avLst/>
+              </a:prstGeom>
+            </p:spPr>
+            <p:txBody>
+              <a:bodyPr wrap="none">
+                <a:spAutoFit/>
+              </a:bodyPr>
+              <a:lstStyle/>
+              <a:p>
+                <a14:m>
+                  <m:oMath xmlns:m="http://schemas.openxmlformats.org/officeDocument/2006/math">
+                    <m:sSub>
+                      <m:sSubPr>
+                        <m:ctrlPr>
+                          <a:rPr lang="en-US" sz="2000" i="1" smtClean="0">
+                            <a:latin typeface="Cambria Math" panose="02040503050406030204" pitchFamily="18" charset="0"/>
+                          </a:rPr>
+                        </m:ctrlPr>
+                      </m:sSubPr>
+                      <m:e>
+                        <m:r>
+                          <a:rPr lang="en-US" sz="2000" b="0" i="1" smtClean="0">
+                            <a:latin typeface="Cambria Math" panose="02040503050406030204" pitchFamily="18" charset="0"/>
+                          </a:rPr>
+                          <m:t>𝜀</m:t>
+                        </m:r>
+                      </m:e>
+                      <m:sub>
+                        <m:r>
+                          <a:rPr lang="en-US" sz="2000" b="0" i="1" smtClean="0">
+                            <a:latin typeface="Cambria Math" panose="02040503050406030204" pitchFamily="18" charset="0"/>
+                          </a:rPr>
+                          <m:t>22</m:t>
+                        </m:r>
+                      </m:sub>
+                    </m:sSub>
+                  </m:oMath>
+                </a14:m>
+                <a:r>
+                  <a:rPr lang="en-US" sz="2000" dirty="0"/>
+                  <a:t> </a:t>
+                </a:r>
+              </a:p>
+            </p:txBody>
+          </p:sp>
+        </mc:Choice>
+        <mc:Fallback>
+          <p:sp>
+            <p:nvSpPr>
+              <p:cNvPr id="20" name="Rectangle 19">
+                <a:extLst>
+                  <a:ext uri="{FF2B5EF4-FFF2-40B4-BE49-F238E27FC236}">
+                    <a16:creationId xmlns:a16="http://schemas.microsoft.com/office/drawing/2014/main" id="{F73D69BB-7D00-6841-9835-065208C592FA}"/>
+                  </a:ext>
+                </a:extLst>
+              </p:cNvPr>
+              <p:cNvSpPr>
+                <a:spLocks noRot="1" noChangeAspect="1" noMove="1" noResize="1" noEditPoints="1" noAdjustHandles="1" noChangeArrowheads="1" noChangeShapeType="1" noTextEdit="1"/>
+              </p:cNvSpPr>
+              <p:nvPr/>
+            </p:nvSpPr>
+            <p:spPr>
+              <a:xfrm>
+                <a:off x="7711723" y="2377751"/>
+                <a:ext cx="583558" cy="400110"/>
+              </a:xfrm>
+              <a:prstGeom prst="rect">
+                <a:avLst/>
+              </a:prstGeom>
+              <a:blipFill>
+                <a:blip r:embed="rId5"/>
+                <a:stretch>
+                  <a:fillRect/>
+                </a:stretch>
+              </a:blipFill>
+            </p:spPr>
+            <p:txBody>
+              <a:bodyPr/>
+              <a:lstStyle/>
+              <a:p>
+                <a:r>
+                  <a:rPr lang="en-US">
+                    <a:noFill/>
+                  </a:rPr>
+                  <a:t> </a:t>
+                </a:r>
+              </a:p>
+            </p:txBody>
+          </p:sp>
+        </mc:Fallback>
+      </mc:AlternateContent>
+      <p:sp>
+        <p:nvSpPr>
+          <p:cNvPr id="21" name="Freeform 20">
+            <a:extLst>
+              <a:ext uri="{FF2B5EF4-FFF2-40B4-BE49-F238E27FC236}">
+                <a16:creationId xmlns:a16="http://schemas.microsoft.com/office/drawing/2014/main" id="{5AA6CFE0-BF97-2F4C-A64B-0A5654AF9DE0}"/>
+              </a:ext>
+            </a:extLst>
+          </p:cNvPr>
+          <p:cNvSpPr/>
+          <p:nvPr/>
+        </p:nvSpPr>
+        <p:spPr>
+          <a:xfrm>
+            <a:off x="7867224" y="3372687"/>
+            <a:ext cx="996993" cy="977696"/>
+          </a:xfrm>
+          <a:custGeom>
+            <a:avLst/>
+            <a:gdLst>
+              <a:gd name="connsiteX0" fmla="*/ 408214 w 996993"/>
+              <a:gd name="connsiteY0" fmla="*/ 506186 h 977696"/>
+              <a:gd name="connsiteX1" fmla="*/ 195942 w 996993"/>
+              <a:gd name="connsiteY1" fmla="*/ 244929 h 977696"/>
+              <a:gd name="connsiteX2" fmla="*/ 359228 w 996993"/>
+              <a:gd name="connsiteY2" fmla="*/ 0 h 977696"/>
+              <a:gd name="connsiteX3" fmla="*/ 636814 w 996993"/>
+              <a:gd name="connsiteY3" fmla="*/ 244929 h 977696"/>
+              <a:gd name="connsiteX4" fmla="*/ 996042 w 996993"/>
+              <a:gd name="connsiteY4" fmla="*/ 212272 h 977696"/>
+              <a:gd name="connsiteX5" fmla="*/ 522514 w 996993"/>
+              <a:gd name="connsiteY5" fmla="*/ 898072 h 977696"/>
+              <a:gd name="connsiteX6" fmla="*/ 0 w 996993"/>
+              <a:gd name="connsiteY6" fmla="*/ 963386 h 977696"/>
+              <a:gd name="connsiteX7" fmla="*/ 0 w 996993"/>
+              <a:gd name="connsiteY7" fmla="*/ 963386 h 977696"/>
+            </a:gdLst>
+            <a:ahLst/>
+            <a:cxnLst>
+              <a:cxn ang="0">
+                <a:pos x="connsiteX0" y="connsiteY0"/>
+              </a:cxn>
+              <a:cxn ang="0">
+                <a:pos x="connsiteX1" y="connsiteY1"/>
+              </a:cxn>
+              <a:cxn ang="0">
+                <a:pos x="connsiteX2" y="connsiteY2"/>
+              </a:cxn>
+              <a:cxn ang="0">
+                <a:pos x="connsiteX3" y="connsiteY3"/>
+              </a:cxn>
+              <a:cxn ang="0">
+                <a:pos x="connsiteX4" y="connsiteY4"/>
+              </a:cxn>
+              <a:cxn ang="0">
+                <a:pos x="connsiteX5" y="connsiteY5"/>
+              </a:cxn>
+              <a:cxn ang="0">
+                <a:pos x="connsiteX6" y="connsiteY6"/>
+              </a:cxn>
+              <a:cxn ang="0">
+                <a:pos x="connsiteX7" y="connsiteY7"/>
+              </a:cxn>
+            </a:cxnLst>
+            <a:rect l="l" t="t" r="r" b="b"/>
+            <a:pathLst>
+              <a:path w="996993" h="977696">
+                <a:moveTo>
+                  <a:pt x="408214" y="506186"/>
+                </a:moveTo>
+                <a:cubicBezTo>
+                  <a:pt x="306160" y="417739"/>
+                  <a:pt x="204106" y="329293"/>
+                  <a:pt x="195942" y="244929"/>
+                </a:cubicBezTo>
+                <a:cubicBezTo>
+                  <a:pt x="187778" y="160565"/>
+                  <a:pt x="285749" y="0"/>
+                  <a:pt x="359228" y="0"/>
+                </a:cubicBezTo>
+                <a:cubicBezTo>
+                  <a:pt x="432707" y="0"/>
+                  <a:pt x="530678" y="209550"/>
+                  <a:pt x="636814" y="244929"/>
+                </a:cubicBezTo>
+                <a:cubicBezTo>
+                  <a:pt x="742950" y="280308"/>
+                  <a:pt x="1015092" y="103415"/>
+                  <a:pt x="996042" y="212272"/>
+                </a:cubicBezTo>
+                <a:cubicBezTo>
+                  <a:pt x="976992" y="321129"/>
+                  <a:pt x="688521" y="772886"/>
+                  <a:pt x="522514" y="898072"/>
+                </a:cubicBezTo>
+                <a:cubicBezTo>
+                  <a:pt x="356507" y="1023258"/>
+                  <a:pt x="0" y="963386"/>
+                  <a:pt x="0" y="963386"/>
+                </a:cubicBezTo>
+                <a:lnTo>
+                  <a:pt x="0" y="963386"/>
+                </a:lnTo>
+              </a:path>
+            </a:pathLst>
+          </a:custGeom>
+          <a:noFill/>
+          <a:ln w="28575">
+            <a:solidFill>
+              <a:schemeClr val="tx1"/>
+            </a:solidFill>
+          </a:ln>
+          <a:effectLst/>
+        </p:spPr>
+        <p:style>
+          <a:lnRef idx="1">
+            <a:schemeClr val="accent1"/>
+          </a:lnRef>
+          <a:fillRef idx="3">
+            <a:schemeClr val="accent1"/>
+          </a:fillRef>
+          <a:effectRef idx="2">
+            <a:schemeClr val="accent1"/>
+          </a:effectRef>
+          <a:fontRef idx="minor">
+            <a:schemeClr val="lt1"/>
+          </a:fontRef>
+        </p:style>
+        <p:txBody>
+          <a:bodyPr rtlCol="0" anchor="ctr"/>
+          <a:lstStyle/>
+          <a:p>
+            <a:pPr algn="ctr"/>
+            <a:endParaRPr lang="en-US"/>
+          </a:p>
+        </p:txBody>
+      </p:sp>
+      <p:sp>
+        <p:nvSpPr>
+          <p:cNvPr id="22" name="Freeform 21">
+            <a:extLst>
+              <a:ext uri="{FF2B5EF4-FFF2-40B4-BE49-F238E27FC236}">
+                <a16:creationId xmlns:a16="http://schemas.microsoft.com/office/drawing/2014/main" id="{AE468A97-873D-394D-BAEA-7C0AEC575E38}"/>
+              </a:ext>
+            </a:extLst>
+          </p:cNvPr>
+          <p:cNvSpPr/>
+          <p:nvPr/>
+        </p:nvSpPr>
+        <p:spPr>
+          <a:xfrm>
+            <a:off x="6950404" y="2891572"/>
+            <a:ext cx="1912862" cy="1934358"/>
+          </a:xfrm>
+          <a:custGeom>
+            <a:avLst/>
+            <a:gdLst>
+              <a:gd name="connsiteX0" fmla="*/ 1325034 w 1912862"/>
+              <a:gd name="connsiteY0" fmla="*/ 970972 h 1934358"/>
+              <a:gd name="connsiteX1" fmla="*/ 1700591 w 1912862"/>
+              <a:gd name="connsiteY1" fmla="*/ 350487 h 1934358"/>
+              <a:gd name="connsiteX2" fmla="*/ 622905 w 1912862"/>
+              <a:gd name="connsiteY2" fmla="*/ 40244 h 1934358"/>
+              <a:gd name="connsiteX3" fmla="*/ 51405 w 1912862"/>
+              <a:gd name="connsiteY3" fmla="*/ 1248558 h 1934358"/>
+              <a:gd name="connsiteX4" fmla="*/ 1912862 w 1912862"/>
+              <a:gd name="connsiteY4" fmla="*/ 1934358 h 1934358"/>
+              <a:gd name="connsiteX5" fmla="*/ 1912862 w 1912862"/>
+              <a:gd name="connsiteY5" fmla="*/ 1934358 h 1934358"/>
+            </a:gdLst>
+            <a:ahLst/>
+            <a:cxnLst>
+              <a:cxn ang="0">
+                <a:pos x="connsiteX0" y="connsiteY0"/>
+              </a:cxn>
+              <a:cxn ang="0">
+                <a:pos x="connsiteX1" y="connsiteY1"/>
+              </a:cxn>
+              <a:cxn ang="0">
+                <a:pos x="connsiteX2" y="connsiteY2"/>
+              </a:cxn>
+              <a:cxn ang="0">
+                <a:pos x="connsiteX3" y="connsiteY3"/>
+              </a:cxn>
+              <a:cxn ang="0">
+                <a:pos x="connsiteX4" y="connsiteY4"/>
+              </a:cxn>
+              <a:cxn ang="0">
+                <a:pos x="connsiteX5" y="connsiteY5"/>
+              </a:cxn>
+            </a:cxnLst>
+            <a:rect l="l" t="t" r="r" b="b"/>
+            <a:pathLst>
+              <a:path w="1912862" h="1934358">
+                <a:moveTo>
+                  <a:pt x="1325034" y="970972"/>
+                </a:moveTo>
+                <a:cubicBezTo>
+                  <a:pt x="1571323" y="738290"/>
+                  <a:pt x="1817613" y="505608"/>
+                  <a:pt x="1700591" y="350487"/>
+                </a:cubicBezTo>
+                <a:cubicBezTo>
+                  <a:pt x="1583570" y="195366"/>
+                  <a:pt x="897769" y="-109435"/>
+                  <a:pt x="622905" y="40244"/>
+                </a:cubicBezTo>
+                <a:cubicBezTo>
+                  <a:pt x="348041" y="189922"/>
+                  <a:pt x="-163588" y="932872"/>
+                  <a:pt x="51405" y="1248558"/>
+                </a:cubicBezTo>
+                <a:cubicBezTo>
+                  <a:pt x="266398" y="1564244"/>
+                  <a:pt x="1912862" y="1934358"/>
+                  <a:pt x="1912862" y="1934358"/>
+                </a:cubicBezTo>
+                <a:lnTo>
+                  <a:pt x="1912862" y="1934358"/>
+                </a:lnTo>
+              </a:path>
+            </a:pathLst>
+          </a:custGeom>
+          <a:noFill/>
+          <a:ln w="28575">
+            <a:solidFill>
+              <a:srgbClr val="C00000"/>
+            </a:solidFill>
+            <a:prstDash val="dash"/>
+          </a:ln>
+          <a:effectLst/>
+        </p:spPr>
+        <p:style>
+          <a:lnRef idx="1">
+            <a:schemeClr val="accent1"/>
+          </a:lnRef>
+          <a:fillRef idx="3">
+            <a:schemeClr val="accent1"/>
+          </a:fillRef>
+          <a:effectRef idx="2">
+            <a:schemeClr val="accent1"/>
+          </a:effectRef>
+          <a:fontRef idx="minor">
+            <a:schemeClr val="lt1"/>
+          </a:fontRef>
+        </p:style>
+        <p:txBody>
+          <a:bodyPr rtlCol="0" anchor="ctr"/>
+          <a:lstStyle/>
+          <a:p>
+            <a:pPr algn="ctr"/>
+            <a:endParaRPr lang="en-US"/>
+          </a:p>
+        </p:txBody>
+      </p:sp>
+      <p:sp>
+        <p:nvSpPr>
+          <p:cNvPr id="23" name="TextBox 22">
+            <a:extLst>
+              <a:ext uri="{FF2B5EF4-FFF2-40B4-BE49-F238E27FC236}">
+                <a16:creationId xmlns:a16="http://schemas.microsoft.com/office/drawing/2014/main" id="{639315B2-7B35-D44F-B7A2-700CC671DE47}"/>
+              </a:ext>
+            </a:extLst>
+          </p:cNvPr>
+          <p:cNvSpPr txBox="1"/>
+          <p:nvPr/>
+        </p:nvSpPr>
+        <p:spPr>
+          <a:xfrm>
+            <a:off x="8549819" y="4373612"/>
+            <a:ext cx="1114344" cy="369332"/>
+          </a:xfrm>
+          <a:prstGeom prst="rect">
+            <a:avLst/>
+          </a:prstGeom>
+          <a:noFill/>
+        </p:spPr>
+        <p:txBody>
+          <a:bodyPr wrap="none" rtlCol="0">
+            <a:spAutoFit/>
+          </a:bodyPr>
+          <a:lstStyle/>
+          <a:p>
+            <a:r>
+              <a:rPr lang="en-US" dirty="0">
+                <a:solidFill>
+                  <a:srgbClr val="C00000"/>
+                </a:solidFill>
+              </a:rPr>
+              <a:t>New path</a:t>
+            </a:r>
+          </a:p>
+        </p:txBody>
+      </p:sp>
+      <p:cxnSp>
+        <p:nvCxnSpPr>
+          <p:cNvPr id="24" name="Straight Connector 23">
+            <a:extLst>
+              <a:ext uri="{FF2B5EF4-FFF2-40B4-BE49-F238E27FC236}">
+                <a16:creationId xmlns:a16="http://schemas.microsoft.com/office/drawing/2014/main" id="{EC8DBAC3-E81A-B641-A48C-5CF95A0A827C}"/>
+              </a:ext>
+            </a:extLst>
+          </p:cNvPr>
+          <p:cNvCxnSpPr>
+            <a:stCxn id="10" idx="2"/>
+          </p:cNvCxnSpPr>
+          <p:nvPr/>
+        </p:nvCxnSpPr>
+        <p:spPr>
+          <a:xfrm flipH="1">
+            <a:off x="4173780" y="3420376"/>
+            <a:ext cx="378045" cy="465726"/>
+          </a:xfrm>
+          <a:prstGeom prst="line">
+            <a:avLst/>
+          </a:prstGeom>
+          <a:ln w="28575">
+            <a:solidFill>
+              <a:srgbClr val="C00000"/>
+            </a:solidFill>
+            <a:prstDash val="dash"/>
+          </a:ln>
+          <a:effectLst/>
+        </p:spPr>
+        <p:style>
+          <a:lnRef idx="2">
+            <a:schemeClr val="accent1"/>
+          </a:lnRef>
+          <a:fillRef idx="0">
+            <a:schemeClr val="accent1"/>
+          </a:fillRef>
+          <a:effectRef idx="1">
+            <a:schemeClr val="accent1"/>
+          </a:effectRef>
+          <a:fontRef idx="minor">
+            <a:schemeClr val="tx1"/>
+          </a:fontRef>
+        </p:style>
+      </p:cxnSp>
+    </p:spTree>
+    <p:extLst>
+      <p:ext uri="{BB962C8B-B14F-4D97-AF65-F5344CB8AC3E}">
+        <p14:creationId xmlns:p14="http://schemas.microsoft.com/office/powerpoint/2010/main" val="4054467585"/>
       </p:ext>
     </p:extLst>
   </p:cSld>
